--- a/Presentasi.pptx
+++ b/Presentasi.pptx
@@ -5,7 +5,7 @@
     <p:sldMasterId id="2147483667" r:id="rId1"/>
   </p:sldMasterIdLst>
   <p:notesMasterIdLst>
-    <p:notesMasterId r:id="rId8"/>
+    <p:notesMasterId r:id="rId10"/>
   </p:notesMasterIdLst>
   <p:sldIdLst>
     <p:sldId id="256" r:id="rId2"/>
@@ -13,39 +13,41 @@
     <p:sldId id="265" r:id="rId4"/>
     <p:sldId id="264" r:id="rId5"/>
     <p:sldId id="263" r:id="rId6"/>
-    <p:sldId id="262" r:id="rId7"/>
+    <p:sldId id="266" r:id="rId7"/>
+    <p:sldId id="267" r:id="rId8"/>
+    <p:sldId id="262" r:id="rId9"/>
   </p:sldIdLst>
   <p:sldSz cx="12192000" cy="6858000"/>
   <p:notesSz cx="6858000" cy="9144000"/>
   <p:embeddedFontLst>
     <p:embeddedFont>
       <p:font typeface="Abril Fatface" panose="020B0604020202020204" charset="0"/>
-      <p:regular r:id="rId9"/>
+      <p:regular r:id="rId11"/>
     </p:embeddedFont>
     <p:embeddedFont>
       <p:font typeface="Barlow Condensed" panose="020B0604020202020204" charset="0"/>
-      <p:regular r:id="rId10"/>
-      <p:bold r:id="rId11"/>
-      <p:italic r:id="rId12"/>
-      <p:boldItalic r:id="rId13"/>
+      <p:regular r:id="rId12"/>
+      <p:bold r:id="rId13"/>
+      <p:italic r:id="rId14"/>
+      <p:boldItalic r:id="rId15"/>
     </p:embeddedFont>
     <p:embeddedFont>
       <p:font typeface="Calibri" panose="020F0502020204030204" pitchFamily="34" charset="0"/>
-      <p:regular r:id="rId14"/>
-      <p:bold r:id="rId15"/>
-      <p:italic r:id="rId16"/>
-      <p:boldItalic r:id="rId17"/>
+      <p:regular r:id="rId16"/>
+      <p:bold r:id="rId17"/>
+      <p:italic r:id="rId18"/>
+      <p:boldItalic r:id="rId19"/>
     </p:embeddedFont>
     <p:embeddedFont>
       <p:font typeface="DM Sans" panose="020B0604020202020204" charset="0"/>
-      <p:regular r:id="rId18"/>
-      <p:bold r:id="rId19"/>
-      <p:italic r:id="rId20"/>
-      <p:boldItalic r:id="rId21"/>
+      <p:regular r:id="rId20"/>
+      <p:bold r:id="rId21"/>
+      <p:italic r:id="rId22"/>
+      <p:boldItalic r:id="rId23"/>
     </p:embeddedFont>
     <p:embeddedFont>
       <p:font typeface="Questrial" panose="020B0604020202020204" charset="0"/>
-      <p:regular r:id="rId22"/>
+      <p:regular r:id="rId24"/>
     </p:embeddedFont>
   </p:embeddedFontLst>
   <p:defaultTextStyle>
@@ -1501,6 +1503,260 @@
 </file>
 
 <file path=ppt/notesSlides/notesSlide6.xml><?xml version="1.0" encoding="utf-8"?>
+<p:notes xmlns:a="http://schemas.openxmlformats.org/drawingml/2006/main" xmlns:r="http://schemas.openxmlformats.org/officeDocument/2006/relationships" xmlns:p="http://schemas.openxmlformats.org/presentationml/2006/main" showMasterSp="0" showMasterPhAnim="0">
+  <p:cSld>
+    <p:spTree>
+      <p:nvGrpSpPr>
+        <p:cNvPr id="1" name="Shape 711"/>
+        <p:cNvGrpSpPr/>
+        <p:nvPr/>
+      </p:nvGrpSpPr>
+      <p:grpSpPr>
+        <a:xfrm>
+          <a:off x="0" y="0"/>
+          <a:ext cx="0" cy="0"/>
+          <a:chOff x="0" y="0"/>
+          <a:chExt cx="0" cy="0"/>
+        </a:xfrm>
+      </p:grpSpPr>
+      <p:sp>
+        <p:nvSpPr>
+          <p:cNvPr id="712" name="Google Shape;712;p4:notes"/>
+          <p:cNvSpPr>
+            <a:spLocks noGrp="1" noRot="1" noChangeAspect="1"/>
+          </p:cNvSpPr>
+          <p:nvPr>
+            <p:ph type="sldImg" idx="2"/>
+          </p:nvPr>
+        </p:nvSpPr>
+        <p:spPr>
+          <a:xfrm>
+            <a:off x="381000" y="685800"/>
+            <a:ext cx="6096000" cy="3429000"/>
+          </a:xfrm>
+          <a:custGeom>
+            <a:avLst/>
+            <a:gdLst/>
+            <a:ahLst/>
+            <a:cxnLst/>
+            <a:rect l="l" t="t" r="r" b="b"/>
+            <a:pathLst>
+              <a:path w="120000" h="120000" extrusionOk="0">
+                <a:moveTo>
+                  <a:pt x="0" y="0"/>
+                </a:moveTo>
+                <a:lnTo>
+                  <a:pt x="120000" y="0"/>
+                </a:lnTo>
+                <a:lnTo>
+                  <a:pt x="120000" y="120000"/>
+                </a:lnTo>
+                <a:lnTo>
+                  <a:pt x="0" y="120000"/>
+                </a:lnTo>
+                <a:close/>
+              </a:path>
+            </a:pathLst>
+          </a:custGeom>
+          <a:noFill/>
+          <a:ln w="9525" cap="flat" cmpd="sng">
+            <a:solidFill>
+              <a:srgbClr val="000000"/>
+            </a:solidFill>
+            <a:prstDash val="solid"/>
+            <a:round/>
+            <a:headEnd type="none" w="sm" len="sm"/>
+            <a:tailEnd type="none" w="sm" len="sm"/>
+          </a:ln>
+        </p:spPr>
+      </p:sp>
+      <p:sp>
+        <p:nvSpPr>
+          <p:cNvPr id="713" name="Google Shape;713;p4:notes"/>
+          <p:cNvSpPr txBox="1">
+            <a:spLocks noGrp="1"/>
+          </p:cNvSpPr>
+          <p:nvPr>
+            <p:ph type="body" idx="1"/>
+          </p:nvPr>
+        </p:nvSpPr>
+        <p:spPr>
+          <a:xfrm>
+            <a:off x="685800" y="4343400"/>
+            <a:ext cx="5486400" cy="4114800"/>
+          </a:xfrm>
+          <a:prstGeom prst="rect">
+            <a:avLst/>
+          </a:prstGeom>
+          <a:noFill/>
+          <a:ln>
+            <a:noFill/>
+          </a:ln>
+        </p:spPr>
+        <p:txBody>
+          <a:bodyPr spcFirstLastPara="1" wrap="square" lIns="91425" tIns="91425" rIns="91425" bIns="91425" anchor="t" anchorCtr="0">
+            <a:noAutofit/>
+          </a:bodyPr>
+          <a:lstStyle/>
+          <a:p>
+            <a:pPr marL="0" lvl="0" indent="0" algn="l" rtl="0">
+              <a:lnSpc>
+                <a:spcPct val="100000"/>
+              </a:lnSpc>
+              <a:spcBef>
+                <a:spcPts val="0"/>
+              </a:spcBef>
+              <a:spcAft>
+                <a:spcPts val="0"/>
+              </a:spcAft>
+              <a:buSzPts val="1100"/>
+              <a:buNone/>
+            </a:pPr>
+            <a:endParaRPr/>
+          </a:p>
+        </p:txBody>
+      </p:sp>
+    </p:spTree>
+    <p:extLst>
+      <p:ext uri="{BB962C8B-B14F-4D97-AF65-F5344CB8AC3E}">
+        <p14:creationId xmlns:p14="http://schemas.microsoft.com/office/powerpoint/2010/main" val="2353799972"/>
+      </p:ext>
+    </p:extLst>
+  </p:cSld>
+  <p:clrMapOvr>
+    <a:masterClrMapping/>
+  </p:clrMapOvr>
+</p:notes>
+</file>
+
+<file path=ppt/notesSlides/notesSlide7.xml><?xml version="1.0" encoding="utf-8"?>
+<p:notes xmlns:a="http://schemas.openxmlformats.org/drawingml/2006/main" xmlns:r="http://schemas.openxmlformats.org/officeDocument/2006/relationships" xmlns:p="http://schemas.openxmlformats.org/presentationml/2006/main" showMasterSp="0" showMasterPhAnim="0">
+  <p:cSld>
+    <p:spTree>
+      <p:nvGrpSpPr>
+        <p:cNvPr id="1" name="Shape 711"/>
+        <p:cNvGrpSpPr/>
+        <p:nvPr/>
+      </p:nvGrpSpPr>
+      <p:grpSpPr>
+        <a:xfrm>
+          <a:off x="0" y="0"/>
+          <a:ext cx="0" cy="0"/>
+          <a:chOff x="0" y="0"/>
+          <a:chExt cx="0" cy="0"/>
+        </a:xfrm>
+      </p:grpSpPr>
+      <p:sp>
+        <p:nvSpPr>
+          <p:cNvPr id="712" name="Google Shape;712;p4:notes"/>
+          <p:cNvSpPr>
+            <a:spLocks noGrp="1" noRot="1" noChangeAspect="1"/>
+          </p:cNvSpPr>
+          <p:nvPr>
+            <p:ph type="sldImg" idx="2"/>
+          </p:nvPr>
+        </p:nvSpPr>
+        <p:spPr>
+          <a:xfrm>
+            <a:off x="381000" y="685800"/>
+            <a:ext cx="6096000" cy="3429000"/>
+          </a:xfrm>
+          <a:custGeom>
+            <a:avLst/>
+            <a:gdLst/>
+            <a:ahLst/>
+            <a:cxnLst/>
+            <a:rect l="l" t="t" r="r" b="b"/>
+            <a:pathLst>
+              <a:path w="120000" h="120000" extrusionOk="0">
+                <a:moveTo>
+                  <a:pt x="0" y="0"/>
+                </a:moveTo>
+                <a:lnTo>
+                  <a:pt x="120000" y="0"/>
+                </a:lnTo>
+                <a:lnTo>
+                  <a:pt x="120000" y="120000"/>
+                </a:lnTo>
+                <a:lnTo>
+                  <a:pt x="0" y="120000"/>
+                </a:lnTo>
+                <a:close/>
+              </a:path>
+            </a:pathLst>
+          </a:custGeom>
+          <a:noFill/>
+          <a:ln w="9525" cap="flat" cmpd="sng">
+            <a:solidFill>
+              <a:srgbClr val="000000"/>
+            </a:solidFill>
+            <a:prstDash val="solid"/>
+            <a:round/>
+            <a:headEnd type="none" w="sm" len="sm"/>
+            <a:tailEnd type="none" w="sm" len="sm"/>
+          </a:ln>
+        </p:spPr>
+      </p:sp>
+      <p:sp>
+        <p:nvSpPr>
+          <p:cNvPr id="713" name="Google Shape;713;p4:notes"/>
+          <p:cNvSpPr txBox="1">
+            <a:spLocks noGrp="1"/>
+          </p:cNvSpPr>
+          <p:nvPr>
+            <p:ph type="body" idx="1"/>
+          </p:nvPr>
+        </p:nvSpPr>
+        <p:spPr>
+          <a:xfrm>
+            <a:off x="685800" y="4343400"/>
+            <a:ext cx="5486400" cy="4114800"/>
+          </a:xfrm>
+          <a:prstGeom prst="rect">
+            <a:avLst/>
+          </a:prstGeom>
+          <a:noFill/>
+          <a:ln>
+            <a:noFill/>
+          </a:ln>
+        </p:spPr>
+        <p:txBody>
+          <a:bodyPr spcFirstLastPara="1" wrap="square" lIns="91425" tIns="91425" rIns="91425" bIns="91425" anchor="t" anchorCtr="0">
+            <a:noAutofit/>
+          </a:bodyPr>
+          <a:lstStyle/>
+          <a:p>
+            <a:pPr marL="0" lvl="0" indent="0" algn="l" rtl="0">
+              <a:lnSpc>
+                <a:spcPct val="100000"/>
+              </a:lnSpc>
+              <a:spcBef>
+                <a:spcPts val="0"/>
+              </a:spcBef>
+              <a:spcAft>
+                <a:spcPts val="0"/>
+              </a:spcAft>
+              <a:buSzPts val="1100"/>
+              <a:buNone/>
+            </a:pPr>
+            <a:endParaRPr/>
+          </a:p>
+        </p:txBody>
+      </p:sp>
+    </p:spTree>
+    <p:extLst>
+      <p:ext uri="{BB962C8B-B14F-4D97-AF65-F5344CB8AC3E}">
+        <p14:creationId xmlns:p14="http://schemas.microsoft.com/office/powerpoint/2010/main" val="4215982340"/>
+      </p:ext>
+    </p:extLst>
+  </p:cSld>
+  <p:clrMapOvr>
+    <a:masterClrMapping/>
+  </p:clrMapOvr>
+</p:notes>
+</file>
+
+<file path=ppt/notesSlides/notesSlide8.xml><?xml version="1.0" encoding="utf-8"?>
 <p:notes xmlns:a="http://schemas.openxmlformats.org/drawingml/2006/main" xmlns:r="http://schemas.openxmlformats.org/officeDocument/2006/relationships" xmlns:p="http://schemas.openxmlformats.org/presentationml/2006/main" showMasterSp="0" showMasterPhAnim="0">
   <p:cSld>
     <p:spTree>
@@ -13453,7 +13709,7 @@
             </a:pPr>
             <a:r>
               <a:rPr lang="pt-BR" sz="2000" dirty="0"/>
-              <a:t>adalah penyedia antarmuka yang seragam untuk sisi klien dan server</a:t>
+              <a:t>adalah penyedia antarmuka untuk sisi klien dan server</a:t>
             </a:r>
           </a:p>
         </p:txBody>
@@ -13540,6 +13796,1305 @@
 </file>
 
 <file path=ppt/slides/slide6.xml><?xml version="1.0" encoding="utf-8"?>
+<p:sld xmlns:a="http://schemas.openxmlformats.org/drawingml/2006/main" xmlns:r="http://schemas.openxmlformats.org/officeDocument/2006/relationships" xmlns:p="http://schemas.openxmlformats.org/presentationml/2006/main">
+  <p:cSld>
+    <p:spTree>
+      <p:nvGrpSpPr>
+        <p:cNvPr id="1" name="Shape 714"/>
+        <p:cNvGrpSpPr/>
+        <p:nvPr/>
+      </p:nvGrpSpPr>
+      <p:grpSpPr>
+        <a:xfrm>
+          <a:off x="0" y="0"/>
+          <a:ext cx="0" cy="0"/>
+          <a:chOff x="0" y="0"/>
+          <a:chExt cx="0" cy="0"/>
+        </a:xfrm>
+      </p:grpSpPr>
+      <p:sp>
+        <p:nvSpPr>
+          <p:cNvPr id="715" name="Google Shape;715;p24"/>
+          <p:cNvSpPr txBox="1">
+            <a:spLocks noGrp="1"/>
+          </p:cNvSpPr>
+          <p:nvPr>
+            <p:ph type="title"/>
+          </p:nvPr>
+        </p:nvSpPr>
+        <p:spPr>
+          <a:xfrm rot="9703937">
+            <a:off x="-2517365" y="2241725"/>
+            <a:ext cx="3653700" cy="4678800"/>
+          </a:xfrm>
+          <a:prstGeom prst="rect">
+            <a:avLst/>
+          </a:prstGeom>
+          <a:noFill/>
+          <a:ln>
+            <a:noFill/>
+          </a:ln>
+        </p:spPr>
+        <p:txBody>
+          <a:bodyPr spcFirstLastPara="1" wrap="square" lIns="121900" tIns="121900" rIns="121900" bIns="121900" anchor="ctr" anchorCtr="0">
+            <a:noAutofit/>
+          </a:bodyPr>
+          <a:lstStyle/>
+          <a:p>
+            <a:pPr marL="0" lvl="0" indent="0" algn="ctr" rtl="0">
+              <a:lnSpc>
+                <a:spcPct val="100000"/>
+              </a:lnSpc>
+              <a:spcBef>
+                <a:spcPts val="0"/>
+              </a:spcBef>
+              <a:spcAft>
+                <a:spcPts val="0"/>
+              </a:spcAft>
+              <a:buSzPts val="15000"/>
+              <a:buNone/>
+            </a:pPr>
+            <a:r>
+              <a:rPr lang="en" dirty="0">
+                <a:solidFill>
+                  <a:schemeClr val="accent1"/>
+                </a:solidFill>
+              </a:rPr>
+              <a:t>04</a:t>
+            </a:r>
+            <a:endParaRPr dirty="0">
+              <a:solidFill>
+                <a:schemeClr val="accent1"/>
+              </a:solidFill>
+            </a:endParaRPr>
+          </a:p>
+        </p:txBody>
+      </p:sp>
+      <p:sp>
+        <p:nvSpPr>
+          <p:cNvPr id="716" name="Google Shape;716;p24"/>
+          <p:cNvSpPr txBox="1">
+            <a:spLocks noGrp="1"/>
+          </p:cNvSpPr>
+          <p:nvPr>
+            <p:ph type="body" idx="1"/>
+          </p:nvPr>
+        </p:nvSpPr>
+        <p:spPr>
+          <a:xfrm>
+            <a:off x="1366682" y="2946345"/>
+            <a:ext cx="7269317" cy="2075100"/>
+          </a:xfrm>
+          <a:prstGeom prst="rect">
+            <a:avLst/>
+          </a:prstGeom>
+          <a:noFill/>
+          <a:ln>
+            <a:noFill/>
+          </a:ln>
+        </p:spPr>
+        <p:txBody>
+          <a:bodyPr spcFirstLastPara="1" wrap="square" lIns="121900" tIns="121900" rIns="121900" bIns="121900" anchor="t" anchorCtr="0">
+            <a:noAutofit/>
+          </a:bodyPr>
+          <a:lstStyle/>
+          <a:p>
+            <a:pPr marL="0" indent="0">
+              <a:buNone/>
+            </a:pPr>
+            <a:r>
+              <a:rPr lang="pt-BR" sz="2000" dirty="0"/>
+              <a:t>Menggunakan framework express.js dan dikoneksikan  database menggunakan postgresql.</a:t>
+            </a:r>
+          </a:p>
+        </p:txBody>
+      </p:sp>
+      <p:sp>
+        <p:nvSpPr>
+          <p:cNvPr id="717" name="Google Shape;717;p24"/>
+          <p:cNvSpPr txBox="1">
+            <a:spLocks noGrp="1"/>
+          </p:cNvSpPr>
+          <p:nvPr>
+            <p:ph type="title" idx="2"/>
+          </p:nvPr>
+        </p:nvSpPr>
+        <p:spPr>
+          <a:xfrm>
+            <a:off x="1366683" y="2182845"/>
+            <a:ext cx="7389300" cy="763500"/>
+          </a:xfrm>
+          <a:prstGeom prst="rect">
+            <a:avLst/>
+          </a:prstGeom>
+          <a:noFill/>
+          <a:ln>
+            <a:noFill/>
+          </a:ln>
+        </p:spPr>
+        <p:txBody>
+          <a:bodyPr spcFirstLastPara="1" wrap="square" lIns="121900" tIns="121900" rIns="121900" bIns="121900" anchor="t" anchorCtr="0">
+            <a:noAutofit/>
+          </a:bodyPr>
+          <a:lstStyle/>
+          <a:p>
+            <a:pPr lvl="0"/>
+            <a:r>
+              <a:rPr lang="pt-BR" dirty="0"/>
+              <a:t>Arshaka Coffee &amp; Tea.</a:t>
+            </a:r>
+            <a:endParaRPr dirty="0"/>
+          </a:p>
+        </p:txBody>
+      </p:sp>
+      <p:pic>
+        <p:nvPicPr>
+          <p:cNvPr id="6" name="Picture 5">
+            <a:extLst>
+              <a:ext uri="{FF2B5EF4-FFF2-40B4-BE49-F238E27FC236}">
+                <a16:creationId xmlns:a16="http://schemas.microsoft.com/office/drawing/2014/main" id="{BC1DEC55-BF31-47DF-A573-133CB510A3E2}"/>
+              </a:ext>
+            </a:extLst>
+          </p:cNvPr>
+          <p:cNvPicPr>
+            <a:picLocks noChangeAspect="1"/>
+          </p:cNvPicPr>
+          <p:nvPr/>
+        </p:nvPicPr>
+        <p:blipFill>
+          <a:blip r:embed="rId3"/>
+          <a:stretch>
+            <a:fillRect/>
+          </a:stretch>
+        </p:blipFill>
+        <p:spPr>
+          <a:xfrm rot="2825615">
+            <a:off x="-2049229" y="3755043"/>
+            <a:ext cx="2928135" cy="1652166"/>
+          </a:xfrm>
+          <a:prstGeom prst="rect">
+            <a:avLst/>
+          </a:prstGeom>
+        </p:spPr>
+      </p:pic>
+    </p:spTree>
+    <p:extLst>
+      <p:ext uri="{BB962C8B-B14F-4D97-AF65-F5344CB8AC3E}">
+        <p14:creationId xmlns:p14="http://schemas.microsoft.com/office/powerpoint/2010/main" val="108745526"/>
+      </p:ext>
+    </p:extLst>
+  </p:cSld>
+  <p:clrMapOvr>
+    <a:masterClrMapping/>
+  </p:clrMapOvr>
+</p:sld>
+</file>
+
+<file path=ppt/slides/slide7.xml><?xml version="1.0" encoding="utf-8"?>
+<p:sld xmlns:a="http://schemas.openxmlformats.org/drawingml/2006/main" xmlns:r="http://schemas.openxmlformats.org/officeDocument/2006/relationships" xmlns:p="http://schemas.openxmlformats.org/presentationml/2006/main">
+  <p:cSld>
+    <p:spTree>
+      <p:nvGrpSpPr>
+        <p:cNvPr id="1" name="Shape 714"/>
+        <p:cNvGrpSpPr/>
+        <p:nvPr/>
+      </p:nvGrpSpPr>
+      <p:grpSpPr>
+        <a:xfrm>
+          <a:off x="0" y="0"/>
+          <a:ext cx="0" cy="0"/>
+          <a:chOff x="0" y="0"/>
+          <a:chExt cx="0" cy="0"/>
+        </a:xfrm>
+      </p:grpSpPr>
+      <p:sp>
+        <p:nvSpPr>
+          <p:cNvPr id="715" name="Google Shape;715;p24"/>
+          <p:cNvSpPr txBox="1">
+            <a:spLocks noGrp="1"/>
+          </p:cNvSpPr>
+          <p:nvPr>
+            <p:ph type="title"/>
+          </p:nvPr>
+        </p:nvSpPr>
+        <p:spPr>
+          <a:xfrm rot="9703937">
+            <a:off x="-2517365" y="2241725"/>
+            <a:ext cx="3653700" cy="4678800"/>
+          </a:xfrm>
+          <a:prstGeom prst="rect">
+            <a:avLst/>
+          </a:prstGeom>
+          <a:noFill/>
+          <a:ln>
+            <a:noFill/>
+          </a:ln>
+        </p:spPr>
+        <p:txBody>
+          <a:bodyPr spcFirstLastPara="1" wrap="square" lIns="121900" tIns="121900" rIns="121900" bIns="121900" anchor="ctr" anchorCtr="0">
+            <a:noAutofit/>
+          </a:bodyPr>
+          <a:lstStyle/>
+          <a:p>
+            <a:pPr marL="0" lvl="0" indent="0" algn="ctr" rtl="0">
+              <a:lnSpc>
+                <a:spcPct val="100000"/>
+              </a:lnSpc>
+              <a:spcBef>
+                <a:spcPts val="0"/>
+              </a:spcBef>
+              <a:spcAft>
+                <a:spcPts val="0"/>
+              </a:spcAft>
+              <a:buSzPts val="15000"/>
+              <a:buNone/>
+            </a:pPr>
+            <a:r>
+              <a:rPr lang="en" dirty="0">
+                <a:solidFill>
+                  <a:schemeClr val="accent1"/>
+                </a:solidFill>
+              </a:rPr>
+              <a:t>04</a:t>
+            </a:r>
+            <a:endParaRPr dirty="0">
+              <a:solidFill>
+                <a:schemeClr val="accent1"/>
+              </a:solidFill>
+            </a:endParaRPr>
+          </a:p>
+        </p:txBody>
+      </p:sp>
+      <p:sp>
+        <p:nvSpPr>
+          <p:cNvPr id="717" name="Google Shape;717;p24"/>
+          <p:cNvSpPr txBox="1">
+            <a:spLocks noGrp="1"/>
+          </p:cNvSpPr>
+          <p:nvPr>
+            <p:ph type="title" idx="2"/>
+          </p:nvPr>
+        </p:nvSpPr>
+        <p:spPr>
+          <a:xfrm>
+            <a:off x="73592" y="184987"/>
+            <a:ext cx="7389300" cy="763500"/>
+          </a:xfrm>
+          <a:prstGeom prst="rect">
+            <a:avLst/>
+          </a:prstGeom>
+          <a:noFill/>
+          <a:ln>
+            <a:noFill/>
+          </a:ln>
+        </p:spPr>
+        <p:txBody>
+          <a:bodyPr spcFirstLastPara="1" wrap="square" lIns="121900" tIns="121900" rIns="121900" bIns="121900" anchor="t" anchorCtr="0">
+            <a:noAutofit/>
+          </a:bodyPr>
+          <a:lstStyle/>
+          <a:p>
+            <a:pPr lvl="0"/>
+            <a:r>
+              <a:rPr lang="pt-BR" dirty="0"/>
+              <a:t>Flowchart</a:t>
+            </a:r>
+            <a:endParaRPr dirty="0"/>
+          </a:p>
+        </p:txBody>
+      </p:sp>
+      <p:pic>
+        <p:nvPicPr>
+          <p:cNvPr id="6" name="Picture 5">
+            <a:extLst>
+              <a:ext uri="{FF2B5EF4-FFF2-40B4-BE49-F238E27FC236}">
+                <a16:creationId xmlns:a16="http://schemas.microsoft.com/office/drawing/2014/main" id="{BC1DEC55-BF31-47DF-A573-133CB510A3E2}"/>
+              </a:ext>
+            </a:extLst>
+          </p:cNvPr>
+          <p:cNvPicPr>
+            <a:picLocks noChangeAspect="1"/>
+          </p:cNvPicPr>
+          <p:nvPr/>
+        </p:nvPicPr>
+        <p:blipFill>
+          <a:blip r:embed="rId3"/>
+          <a:stretch>
+            <a:fillRect/>
+          </a:stretch>
+        </p:blipFill>
+        <p:spPr>
+          <a:xfrm rot="2825615">
+            <a:off x="-2049229" y="3755043"/>
+            <a:ext cx="2928135" cy="1652166"/>
+          </a:xfrm>
+          <a:prstGeom prst="rect">
+            <a:avLst/>
+          </a:prstGeom>
+        </p:spPr>
+      </p:pic>
+      <p:sp>
+        <p:nvSpPr>
+          <p:cNvPr id="10" name="Google Shape;717;p24">
+            <a:extLst>
+              <a:ext uri="{FF2B5EF4-FFF2-40B4-BE49-F238E27FC236}">
+                <a16:creationId xmlns:a16="http://schemas.microsoft.com/office/drawing/2014/main" id="{2BFEDFE1-EE5A-4BB9-B9AE-9F2A02F45C14}"/>
+              </a:ext>
+            </a:extLst>
+          </p:cNvPr>
+          <p:cNvSpPr txBox="1">
+            <a:spLocks/>
+          </p:cNvSpPr>
+          <p:nvPr/>
+        </p:nvSpPr>
+        <p:spPr>
+          <a:xfrm>
+            <a:off x="462469" y="3496513"/>
+            <a:ext cx="1869291" cy="763500"/>
+          </a:xfrm>
+          <a:prstGeom prst="rect">
+            <a:avLst/>
+          </a:prstGeom>
+          <a:noFill/>
+          <a:ln>
+            <a:noFill/>
+          </a:ln>
+        </p:spPr>
+        <p:txBody>
+          <a:bodyPr spcFirstLastPara="1" wrap="square" lIns="121900" tIns="121900" rIns="121900" bIns="121900" anchor="t" anchorCtr="0">
+            <a:noAutofit/>
+          </a:bodyPr>
+          <a:lstStyle>
+            <a:defPPr marR="0" lvl="0" algn="l" rtl="0">
+              <a:lnSpc>
+                <a:spcPct val="100000"/>
+              </a:lnSpc>
+              <a:spcBef>
+                <a:spcPts val="0"/>
+              </a:spcBef>
+              <a:spcAft>
+                <a:spcPts val="0"/>
+              </a:spcAft>
+            </a:defPPr>
+            <a:lvl1pPr marR="0" lvl="0" algn="l" rtl="0">
+              <a:lnSpc>
+                <a:spcPct val="100000"/>
+              </a:lnSpc>
+              <a:spcBef>
+                <a:spcPts val="0"/>
+              </a:spcBef>
+              <a:spcAft>
+                <a:spcPts val="0"/>
+              </a:spcAft>
+              <a:buClr>
+                <a:schemeClr val="dk1"/>
+              </a:buClr>
+              <a:buSzPts val="4000"/>
+              <a:buFont typeface="Aldrich"/>
+              <a:buNone/>
+              <a:defRPr sz="4000" b="0" i="0" u="none" strike="noStrike" cap="none">
+                <a:solidFill>
+                  <a:schemeClr val="dk1"/>
+                </a:solidFill>
+                <a:latin typeface="Abril Fatface"/>
+                <a:ea typeface="Abril Fatface"/>
+                <a:cs typeface="Abril Fatface"/>
+                <a:sym typeface="Abril Fatface"/>
+              </a:defRPr>
+            </a:lvl1pPr>
+            <a:lvl2pPr marR="0" lvl="1" algn="l" rtl="0">
+              <a:lnSpc>
+                <a:spcPct val="100000"/>
+              </a:lnSpc>
+              <a:spcBef>
+                <a:spcPts val="0"/>
+              </a:spcBef>
+              <a:spcAft>
+                <a:spcPts val="0"/>
+              </a:spcAft>
+              <a:buClr>
+                <a:schemeClr val="dk1"/>
+              </a:buClr>
+              <a:buSzPts val="4000"/>
+              <a:buFont typeface="Abril Fatface"/>
+              <a:buNone/>
+              <a:defRPr sz="4000" b="1" i="0" u="none" strike="noStrike" cap="none">
+                <a:solidFill>
+                  <a:schemeClr val="dk1"/>
+                </a:solidFill>
+                <a:latin typeface="Abril Fatface"/>
+                <a:ea typeface="Abril Fatface"/>
+                <a:cs typeface="Abril Fatface"/>
+                <a:sym typeface="Abril Fatface"/>
+              </a:defRPr>
+            </a:lvl2pPr>
+            <a:lvl3pPr marR="0" lvl="2" algn="l" rtl="0">
+              <a:lnSpc>
+                <a:spcPct val="100000"/>
+              </a:lnSpc>
+              <a:spcBef>
+                <a:spcPts val="0"/>
+              </a:spcBef>
+              <a:spcAft>
+                <a:spcPts val="0"/>
+              </a:spcAft>
+              <a:buClr>
+                <a:schemeClr val="dk1"/>
+              </a:buClr>
+              <a:buSzPts val="4000"/>
+              <a:buFont typeface="Abril Fatface"/>
+              <a:buNone/>
+              <a:defRPr sz="4000" b="1" i="0" u="none" strike="noStrike" cap="none">
+                <a:solidFill>
+                  <a:schemeClr val="dk1"/>
+                </a:solidFill>
+                <a:latin typeface="Abril Fatface"/>
+                <a:ea typeface="Abril Fatface"/>
+                <a:cs typeface="Abril Fatface"/>
+                <a:sym typeface="Abril Fatface"/>
+              </a:defRPr>
+            </a:lvl3pPr>
+            <a:lvl4pPr marR="0" lvl="3" algn="l" rtl="0">
+              <a:lnSpc>
+                <a:spcPct val="100000"/>
+              </a:lnSpc>
+              <a:spcBef>
+                <a:spcPts val="0"/>
+              </a:spcBef>
+              <a:spcAft>
+                <a:spcPts val="0"/>
+              </a:spcAft>
+              <a:buClr>
+                <a:schemeClr val="dk1"/>
+              </a:buClr>
+              <a:buSzPts val="4000"/>
+              <a:buFont typeface="Abril Fatface"/>
+              <a:buNone/>
+              <a:defRPr sz="4000" b="1" i="0" u="none" strike="noStrike" cap="none">
+                <a:solidFill>
+                  <a:schemeClr val="dk1"/>
+                </a:solidFill>
+                <a:latin typeface="Abril Fatface"/>
+                <a:ea typeface="Abril Fatface"/>
+                <a:cs typeface="Abril Fatface"/>
+                <a:sym typeface="Abril Fatface"/>
+              </a:defRPr>
+            </a:lvl4pPr>
+            <a:lvl5pPr marR="0" lvl="4" algn="l" rtl="0">
+              <a:lnSpc>
+                <a:spcPct val="100000"/>
+              </a:lnSpc>
+              <a:spcBef>
+                <a:spcPts val="0"/>
+              </a:spcBef>
+              <a:spcAft>
+                <a:spcPts val="0"/>
+              </a:spcAft>
+              <a:buClr>
+                <a:schemeClr val="dk1"/>
+              </a:buClr>
+              <a:buSzPts val="4000"/>
+              <a:buFont typeface="Abril Fatface"/>
+              <a:buNone/>
+              <a:defRPr sz="4000" b="1" i="0" u="none" strike="noStrike" cap="none">
+                <a:solidFill>
+                  <a:schemeClr val="dk1"/>
+                </a:solidFill>
+                <a:latin typeface="Abril Fatface"/>
+                <a:ea typeface="Abril Fatface"/>
+                <a:cs typeface="Abril Fatface"/>
+                <a:sym typeface="Abril Fatface"/>
+              </a:defRPr>
+            </a:lvl5pPr>
+            <a:lvl6pPr marR="0" lvl="5" algn="l" rtl="0">
+              <a:lnSpc>
+                <a:spcPct val="100000"/>
+              </a:lnSpc>
+              <a:spcBef>
+                <a:spcPts val="0"/>
+              </a:spcBef>
+              <a:spcAft>
+                <a:spcPts val="0"/>
+              </a:spcAft>
+              <a:buClr>
+                <a:schemeClr val="dk1"/>
+              </a:buClr>
+              <a:buSzPts val="4000"/>
+              <a:buFont typeface="Abril Fatface"/>
+              <a:buNone/>
+              <a:defRPr sz="4000" b="1" i="0" u="none" strike="noStrike" cap="none">
+                <a:solidFill>
+                  <a:schemeClr val="dk1"/>
+                </a:solidFill>
+                <a:latin typeface="Abril Fatface"/>
+                <a:ea typeface="Abril Fatface"/>
+                <a:cs typeface="Abril Fatface"/>
+                <a:sym typeface="Abril Fatface"/>
+              </a:defRPr>
+            </a:lvl6pPr>
+            <a:lvl7pPr marR="0" lvl="6" algn="l" rtl="0">
+              <a:lnSpc>
+                <a:spcPct val="100000"/>
+              </a:lnSpc>
+              <a:spcBef>
+                <a:spcPts val="0"/>
+              </a:spcBef>
+              <a:spcAft>
+                <a:spcPts val="0"/>
+              </a:spcAft>
+              <a:buClr>
+                <a:schemeClr val="dk1"/>
+              </a:buClr>
+              <a:buSzPts val="4000"/>
+              <a:buFont typeface="Abril Fatface"/>
+              <a:buNone/>
+              <a:defRPr sz="4000" b="1" i="0" u="none" strike="noStrike" cap="none">
+                <a:solidFill>
+                  <a:schemeClr val="dk1"/>
+                </a:solidFill>
+                <a:latin typeface="Abril Fatface"/>
+                <a:ea typeface="Abril Fatface"/>
+                <a:cs typeface="Abril Fatface"/>
+                <a:sym typeface="Abril Fatface"/>
+              </a:defRPr>
+            </a:lvl7pPr>
+            <a:lvl8pPr marR="0" lvl="7" algn="l" rtl="0">
+              <a:lnSpc>
+                <a:spcPct val="100000"/>
+              </a:lnSpc>
+              <a:spcBef>
+                <a:spcPts val="0"/>
+              </a:spcBef>
+              <a:spcAft>
+                <a:spcPts val="0"/>
+              </a:spcAft>
+              <a:buClr>
+                <a:schemeClr val="dk1"/>
+              </a:buClr>
+              <a:buSzPts val="4000"/>
+              <a:buFont typeface="Abril Fatface"/>
+              <a:buNone/>
+              <a:defRPr sz="4000" b="1" i="0" u="none" strike="noStrike" cap="none">
+                <a:solidFill>
+                  <a:schemeClr val="dk1"/>
+                </a:solidFill>
+                <a:latin typeface="Abril Fatface"/>
+                <a:ea typeface="Abril Fatface"/>
+                <a:cs typeface="Abril Fatface"/>
+                <a:sym typeface="Abril Fatface"/>
+              </a:defRPr>
+            </a:lvl8pPr>
+            <a:lvl9pPr marR="0" lvl="8" algn="l" rtl="0">
+              <a:lnSpc>
+                <a:spcPct val="100000"/>
+              </a:lnSpc>
+              <a:spcBef>
+                <a:spcPts val="0"/>
+              </a:spcBef>
+              <a:spcAft>
+                <a:spcPts val="0"/>
+              </a:spcAft>
+              <a:buClr>
+                <a:schemeClr val="dk1"/>
+              </a:buClr>
+              <a:buSzPts val="4000"/>
+              <a:buFont typeface="Abril Fatface"/>
+              <a:buNone/>
+              <a:defRPr sz="4000" b="1" i="0" u="none" strike="noStrike" cap="none">
+                <a:solidFill>
+                  <a:schemeClr val="dk1"/>
+                </a:solidFill>
+                <a:latin typeface="Abril Fatface"/>
+                <a:ea typeface="Abril Fatface"/>
+                <a:cs typeface="Abril Fatface"/>
+                <a:sym typeface="Abril Fatface"/>
+              </a:defRPr>
+            </a:lvl9pPr>
+          </a:lstStyle>
+          <a:p>
+            <a:r>
+              <a:rPr lang="pt-BR" sz="2000" dirty="0"/>
+              <a:t>Table Users</a:t>
+            </a:r>
+          </a:p>
+        </p:txBody>
+      </p:sp>
+      <p:pic>
+        <p:nvPicPr>
+          <p:cNvPr id="5" name="Picture 4">
+            <a:extLst>
+              <a:ext uri="{FF2B5EF4-FFF2-40B4-BE49-F238E27FC236}">
+                <a16:creationId xmlns:a16="http://schemas.microsoft.com/office/drawing/2014/main" id="{C382AC87-CADE-423A-9A11-458173525A18}"/>
+              </a:ext>
+            </a:extLst>
+          </p:cNvPr>
+          <p:cNvPicPr>
+            <a:picLocks noChangeAspect="1"/>
+          </p:cNvPicPr>
+          <p:nvPr/>
+        </p:nvPicPr>
+        <p:blipFill>
+          <a:blip r:embed="rId4"/>
+          <a:stretch>
+            <a:fillRect/>
+          </a:stretch>
+        </p:blipFill>
+        <p:spPr>
+          <a:xfrm>
+            <a:off x="1942884" y="1371342"/>
+            <a:ext cx="2040590" cy="4886036"/>
+          </a:xfrm>
+          <a:prstGeom prst="rect">
+            <a:avLst/>
+          </a:prstGeom>
+        </p:spPr>
+      </p:pic>
+      <p:sp>
+        <p:nvSpPr>
+          <p:cNvPr id="13" name="Google Shape;717;p24">
+            <a:extLst>
+              <a:ext uri="{FF2B5EF4-FFF2-40B4-BE49-F238E27FC236}">
+                <a16:creationId xmlns:a16="http://schemas.microsoft.com/office/drawing/2014/main" id="{0214D335-06BF-491E-B530-218E1C037D0A}"/>
+              </a:ext>
+            </a:extLst>
+          </p:cNvPr>
+          <p:cNvSpPr txBox="1">
+            <a:spLocks/>
+          </p:cNvSpPr>
+          <p:nvPr/>
+        </p:nvSpPr>
+        <p:spPr>
+          <a:xfrm>
+            <a:off x="4427020" y="3496513"/>
+            <a:ext cx="1869291" cy="763500"/>
+          </a:xfrm>
+          <a:prstGeom prst="rect">
+            <a:avLst/>
+          </a:prstGeom>
+          <a:noFill/>
+          <a:ln>
+            <a:noFill/>
+          </a:ln>
+        </p:spPr>
+        <p:txBody>
+          <a:bodyPr spcFirstLastPara="1" wrap="square" lIns="121900" tIns="121900" rIns="121900" bIns="121900" anchor="t" anchorCtr="0">
+            <a:noAutofit/>
+          </a:bodyPr>
+          <a:lstStyle>
+            <a:defPPr marR="0" lvl="0" algn="l" rtl="0">
+              <a:lnSpc>
+                <a:spcPct val="100000"/>
+              </a:lnSpc>
+              <a:spcBef>
+                <a:spcPts val="0"/>
+              </a:spcBef>
+              <a:spcAft>
+                <a:spcPts val="0"/>
+              </a:spcAft>
+            </a:defPPr>
+            <a:lvl1pPr marR="0" lvl="0" algn="l" rtl="0">
+              <a:lnSpc>
+                <a:spcPct val="100000"/>
+              </a:lnSpc>
+              <a:spcBef>
+                <a:spcPts val="0"/>
+              </a:spcBef>
+              <a:spcAft>
+                <a:spcPts val="0"/>
+              </a:spcAft>
+              <a:buClr>
+                <a:schemeClr val="dk1"/>
+              </a:buClr>
+              <a:buSzPts val="4000"/>
+              <a:buFont typeface="Aldrich"/>
+              <a:buNone/>
+              <a:defRPr sz="4000" b="0" i="0" u="none" strike="noStrike" cap="none">
+                <a:solidFill>
+                  <a:schemeClr val="dk1"/>
+                </a:solidFill>
+                <a:latin typeface="Abril Fatface"/>
+                <a:ea typeface="Abril Fatface"/>
+                <a:cs typeface="Abril Fatface"/>
+                <a:sym typeface="Abril Fatface"/>
+              </a:defRPr>
+            </a:lvl1pPr>
+            <a:lvl2pPr marR="0" lvl="1" algn="l" rtl="0">
+              <a:lnSpc>
+                <a:spcPct val="100000"/>
+              </a:lnSpc>
+              <a:spcBef>
+                <a:spcPts val="0"/>
+              </a:spcBef>
+              <a:spcAft>
+                <a:spcPts val="0"/>
+              </a:spcAft>
+              <a:buClr>
+                <a:schemeClr val="dk1"/>
+              </a:buClr>
+              <a:buSzPts val="4000"/>
+              <a:buFont typeface="Abril Fatface"/>
+              <a:buNone/>
+              <a:defRPr sz="4000" b="1" i="0" u="none" strike="noStrike" cap="none">
+                <a:solidFill>
+                  <a:schemeClr val="dk1"/>
+                </a:solidFill>
+                <a:latin typeface="Abril Fatface"/>
+                <a:ea typeface="Abril Fatface"/>
+                <a:cs typeface="Abril Fatface"/>
+                <a:sym typeface="Abril Fatface"/>
+              </a:defRPr>
+            </a:lvl2pPr>
+            <a:lvl3pPr marR="0" lvl="2" algn="l" rtl="0">
+              <a:lnSpc>
+                <a:spcPct val="100000"/>
+              </a:lnSpc>
+              <a:spcBef>
+                <a:spcPts val="0"/>
+              </a:spcBef>
+              <a:spcAft>
+                <a:spcPts val="0"/>
+              </a:spcAft>
+              <a:buClr>
+                <a:schemeClr val="dk1"/>
+              </a:buClr>
+              <a:buSzPts val="4000"/>
+              <a:buFont typeface="Abril Fatface"/>
+              <a:buNone/>
+              <a:defRPr sz="4000" b="1" i="0" u="none" strike="noStrike" cap="none">
+                <a:solidFill>
+                  <a:schemeClr val="dk1"/>
+                </a:solidFill>
+                <a:latin typeface="Abril Fatface"/>
+                <a:ea typeface="Abril Fatface"/>
+                <a:cs typeface="Abril Fatface"/>
+                <a:sym typeface="Abril Fatface"/>
+              </a:defRPr>
+            </a:lvl3pPr>
+            <a:lvl4pPr marR="0" lvl="3" algn="l" rtl="0">
+              <a:lnSpc>
+                <a:spcPct val="100000"/>
+              </a:lnSpc>
+              <a:spcBef>
+                <a:spcPts val="0"/>
+              </a:spcBef>
+              <a:spcAft>
+                <a:spcPts val="0"/>
+              </a:spcAft>
+              <a:buClr>
+                <a:schemeClr val="dk1"/>
+              </a:buClr>
+              <a:buSzPts val="4000"/>
+              <a:buFont typeface="Abril Fatface"/>
+              <a:buNone/>
+              <a:defRPr sz="4000" b="1" i="0" u="none" strike="noStrike" cap="none">
+                <a:solidFill>
+                  <a:schemeClr val="dk1"/>
+                </a:solidFill>
+                <a:latin typeface="Abril Fatface"/>
+                <a:ea typeface="Abril Fatface"/>
+                <a:cs typeface="Abril Fatface"/>
+                <a:sym typeface="Abril Fatface"/>
+              </a:defRPr>
+            </a:lvl4pPr>
+            <a:lvl5pPr marR="0" lvl="4" algn="l" rtl="0">
+              <a:lnSpc>
+                <a:spcPct val="100000"/>
+              </a:lnSpc>
+              <a:spcBef>
+                <a:spcPts val="0"/>
+              </a:spcBef>
+              <a:spcAft>
+                <a:spcPts val="0"/>
+              </a:spcAft>
+              <a:buClr>
+                <a:schemeClr val="dk1"/>
+              </a:buClr>
+              <a:buSzPts val="4000"/>
+              <a:buFont typeface="Abril Fatface"/>
+              <a:buNone/>
+              <a:defRPr sz="4000" b="1" i="0" u="none" strike="noStrike" cap="none">
+                <a:solidFill>
+                  <a:schemeClr val="dk1"/>
+                </a:solidFill>
+                <a:latin typeface="Abril Fatface"/>
+                <a:ea typeface="Abril Fatface"/>
+                <a:cs typeface="Abril Fatface"/>
+                <a:sym typeface="Abril Fatface"/>
+              </a:defRPr>
+            </a:lvl5pPr>
+            <a:lvl6pPr marR="0" lvl="5" algn="l" rtl="0">
+              <a:lnSpc>
+                <a:spcPct val="100000"/>
+              </a:lnSpc>
+              <a:spcBef>
+                <a:spcPts val="0"/>
+              </a:spcBef>
+              <a:spcAft>
+                <a:spcPts val="0"/>
+              </a:spcAft>
+              <a:buClr>
+                <a:schemeClr val="dk1"/>
+              </a:buClr>
+              <a:buSzPts val="4000"/>
+              <a:buFont typeface="Abril Fatface"/>
+              <a:buNone/>
+              <a:defRPr sz="4000" b="1" i="0" u="none" strike="noStrike" cap="none">
+                <a:solidFill>
+                  <a:schemeClr val="dk1"/>
+                </a:solidFill>
+                <a:latin typeface="Abril Fatface"/>
+                <a:ea typeface="Abril Fatface"/>
+                <a:cs typeface="Abril Fatface"/>
+                <a:sym typeface="Abril Fatface"/>
+              </a:defRPr>
+            </a:lvl6pPr>
+            <a:lvl7pPr marR="0" lvl="6" algn="l" rtl="0">
+              <a:lnSpc>
+                <a:spcPct val="100000"/>
+              </a:lnSpc>
+              <a:spcBef>
+                <a:spcPts val="0"/>
+              </a:spcBef>
+              <a:spcAft>
+                <a:spcPts val="0"/>
+              </a:spcAft>
+              <a:buClr>
+                <a:schemeClr val="dk1"/>
+              </a:buClr>
+              <a:buSzPts val="4000"/>
+              <a:buFont typeface="Abril Fatface"/>
+              <a:buNone/>
+              <a:defRPr sz="4000" b="1" i="0" u="none" strike="noStrike" cap="none">
+                <a:solidFill>
+                  <a:schemeClr val="dk1"/>
+                </a:solidFill>
+                <a:latin typeface="Abril Fatface"/>
+                <a:ea typeface="Abril Fatface"/>
+                <a:cs typeface="Abril Fatface"/>
+                <a:sym typeface="Abril Fatface"/>
+              </a:defRPr>
+            </a:lvl7pPr>
+            <a:lvl8pPr marR="0" lvl="7" algn="l" rtl="0">
+              <a:lnSpc>
+                <a:spcPct val="100000"/>
+              </a:lnSpc>
+              <a:spcBef>
+                <a:spcPts val="0"/>
+              </a:spcBef>
+              <a:spcAft>
+                <a:spcPts val="0"/>
+              </a:spcAft>
+              <a:buClr>
+                <a:schemeClr val="dk1"/>
+              </a:buClr>
+              <a:buSzPts val="4000"/>
+              <a:buFont typeface="Abril Fatface"/>
+              <a:buNone/>
+              <a:defRPr sz="4000" b="1" i="0" u="none" strike="noStrike" cap="none">
+                <a:solidFill>
+                  <a:schemeClr val="dk1"/>
+                </a:solidFill>
+                <a:latin typeface="Abril Fatface"/>
+                <a:ea typeface="Abril Fatface"/>
+                <a:cs typeface="Abril Fatface"/>
+                <a:sym typeface="Abril Fatface"/>
+              </a:defRPr>
+            </a:lvl8pPr>
+            <a:lvl9pPr marR="0" lvl="8" algn="l" rtl="0">
+              <a:lnSpc>
+                <a:spcPct val="100000"/>
+              </a:lnSpc>
+              <a:spcBef>
+                <a:spcPts val="0"/>
+              </a:spcBef>
+              <a:spcAft>
+                <a:spcPts val="0"/>
+              </a:spcAft>
+              <a:buClr>
+                <a:schemeClr val="dk1"/>
+              </a:buClr>
+              <a:buSzPts val="4000"/>
+              <a:buFont typeface="Abril Fatface"/>
+              <a:buNone/>
+              <a:defRPr sz="4000" b="1" i="0" u="none" strike="noStrike" cap="none">
+                <a:solidFill>
+                  <a:schemeClr val="dk1"/>
+                </a:solidFill>
+                <a:latin typeface="Abril Fatface"/>
+                <a:ea typeface="Abril Fatface"/>
+                <a:cs typeface="Abril Fatface"/>
+                <a:sym typeface="Abril Fatface"/>
+              </a:defRPr>
+            </a:lvl9pPr>
+          </a:lstStyle>
+          <a:p>
+            <a:r>
+              <a:rPr lang="pt-BR" sz="2000" dirty="0"/>
+              <a:t>Table Recipe</a:t>
+            </a:r>
+          </a:p>
+        </p:txBody>
+      </p:sp>
+      <p:pic>
+        <p:nvPicPr>
+          <p:cNvPr id="8" name="Picture 7">
+            <a:extLst>
+              <a:ext uri="{FF2B5EF4-FFF2-40B4-BE49-F238E27FC236}">
+                <a16:creationId xmlns:a16="http://schemas.microsoft.com/office/drawing/2014/main" id="{01619576-AF0E-44A2-B560-E767E027BBA7}"/>
+              </a:ext>
+            </a:extLst>
+          </p:cNvPr>
+          <p:cNvPicPr>
+            <a:picLocks noChangeAspect="1"/>
+          </p:cNvPicPr>
+          <p:nvPr/>
+        </p:nvPicPr>
+        <p:blipFill>
+          <a:blip r:embed="rId5"/>
+          <a:stretch>
+            <a:fillRect/>
+          </a:stretch>
+        </p:blipFill>
+        <p:spPr>
+          <a:xfrm>
+            <a:off x="6053232" y="1281286"/>
+            <a:ext cx="1965377" cy="4886036"/>
+          </a:xfrm>
+          <a:prstGeom prst="rect">
+            <a:avLst/>
+          </a:prstGeom>
+        </p:spPr>
+      </p:pic>
+      <p:sp>
+        <p:nvSpPr>
+          <p:cNvPr id="18" name="Google Shape;717;p24">
+            <a:extLst>
+              <a:ext uri="{FF2B5EF4-FFF2-40B4-BE49-F238E27FC236}">
+                <a16:creationId xmlns:a16="http://schemas.microsoft.com/office/drawing/2014/main" id="{5795C910-2783-4986-9BE8-CA6FD57BE292}"/>
+              </a:ext>
+            </a:extLst>
+          </p:cNvPr>
+          <p:cNvSpPr txBox="1">
+            <a:spLocks/>
+          </p:cNvSpPr>
+          <p:nvPr/>
+        </p:nvSpPr>
+        <p:spPr>
+          <a:xfrm>
+            <a:off x="8018609" y="3544744"/>
+            <a:ext cx="2221273" cy="763500"/>
+          </a:xfrm>
+          <a:prstGeom prst="rect">
+            <a:avLst/>
+          </a:prstGeom>
+          <a:noFill/>
+          <a:ln>
+            <a:noFill/>
+          </a:ln>
+        </p:spPr>
+        <p:txBody>
+          <a:bodyPr spcFirstLastPara="1" wrap="square" lIns="121900" tIns="121900" rIns="121900" bIns="121900" anchor="t" anchorCtr="0">
+            <a:noAutofit/>
+          </a:bodyPr>
+          <a:lstStyle>
+            <a:defPPr marR="0" lvl="0" algn="l" rtl="0">
+              <a:lnSpc>
+                <a:spcPct val="100000"/>
+              </a:lnSpc>
+              <a:spcBef>
+                <a:spcPts val="0"/>
+              </a:spcBef>
+              <a:spcAft>
+                <a:spcPts val="0"/>
+              </a:spcAft>
+            </a:defPPr>
+            <a:lvl1pPr marR="0" lvl="0" algn="l" rtl="0">
+              <a:lnSpc>
+                <a:spcPct val="100000"/>
+              </a:lnSpc>
+              <a:spcBef>
+                <a:spcPts val="0"/>
+              </a:spcBef>
+              <a:spcAft>
+                <a:spcPts val="0"/>
+              </a:spcAft>
+              <a:buClr>
+                <a:schemeClr val="dk1"/>
+              </a:buClr>
+              <a:buSzPts val="4000"/>
+              <a:buFont typeface="Aldrich"/>
+              <a:buNone/>
+              <a:defRPr sz="4000" b="0" i="0" u="none" strike="noStrike" cap="none">
+                <a:solidFill>
+                  <a:schemeClr val="dk1"/>
+                </a:solidFill>
+                <a:latin typeface="Abril Fatface"/>
+                <a:ea typeface="Abril Fatface"/>
+                <a:cs typeface="Abril Fatface"/>
+                <a:sym typeface="Abril Fatface"/>
+              </a:defRPr>
+            </a:lvl1pPr>
+            <a:lvl2pPr marR="0" lvl="1" algn="l" rtl="0">
+              <a:lnSpc>
+                <a:spcPct val="100000"/>
+              </a:lnSpc>
+              <a:spcBef>
+                <a:spcPts val="0"/>
+              </a:spcBef>
+              <a:spcAft>
+                <a:spcPts val="0"/>
+              </a:spcAft>
+              <a:buClr>
+                <a:schemeClr val="dk1"/>
+              </a:buClr>
+              <a:buSzPts val="4000"/>
+              <a:buFont typeface="Abril Fatface"/>
+              <a:buNone/>
+              <a:defRPr sz="4000" b="1" i="0" u="none" strike="noStrike" cap="none">
+                <a:solidFill>
+                  <a:schemeClr val="dk1"/>
+                </a:solidFill>
+                <a:latin typeface="Abril Fatface"/>
+                <a:ea typeface="Abril Fatface"/>
+                <a:cs typeface="Abril Fatface"/>
+                <a:sym typeface="Abril Fatface"/>
+              </a:defRPr>
+            </a:lvl2pPr>
+            <a:lvl3pPr marR="0" lvl="2" algn="l" rtl="0">
+              <a:lnSpc>
+                <a:spcPct val="100000"/>
+              </a:lnSpc>
+              <a:spcBef>
+                <a:spcPts val="0"/>
+              </a:spcBef>
+              <a:spcAft>
+                <a:spcPts val="0"/>
+              </a:spcAft>
+              <a:buClr>
+                <a:schemeClr val="dk1"/>
+              </a:buClr>
+              <a:buSzPts val="4000"/>
+              <a:buFont typeface="Abril Fatface"/>
+              <a:buNone/>
+              <a:defRPr sz="4000" b="1" i="0" u="none" strike="noStrike" cap="none">
+                <a:solidFill>
+                  <a:schemeClr val="dk1"/>
+                </a:solidFill>
+                <a:latin typeface="Abril Fatface"/>
+                <a:ea typeface="Abril Fatface"/>
+                <a:cs typeface="Abril Fatface"/>
+                <a:sym typeface="Abril Fatface"/>
+              </a:defRPr>
+            </a:lvl3pPr>
+            <a:lvl4pPr marR="0" lvl="3" algn="l" rtl="0">
+              <a:lnSpc>
+                <a:spcPct val="100000"/>
+              </a:lnSpc>
+              <a:spcBef>
+                <a:spcPts val="0"/>
+              </a:spcBef>
+              <a:spcAft>
+                <a:spcPts val="0"/>
+              </a:spcAft>
+              <a:buClr>
+                <a:schemeClr val="dk1"/>
+              </a:buClr>
+              <a:buSzPts val="4000"/>
+              <a:buFont typeface="Abril Fatface"/>
+              <a:buNone/>
+              <a:defRPr sz="4000" b="1" i="0" u="none" strike="noStrike" cap="none">
+                <a:solidFill>
+                  <a:schemeClr val="dk1"/>
+                </a:solidFill>
+                <a:latin typeface="Abril Fatface"/>
+                <a:ea typeface="Abril Fatface"/>
+                <a:cs typeface="Abril Fatface"/>
+                <a:sym typeface="Abril Fatface"/>
+              </a:defRPr>
+            </a:lvl4pPr>
+            <a:lvl5pPr marR="0" lvl="4" algn="l" rtl="0">
+              <a:lnSpc>
+                <a:spcPct val="100000"/>
+              </a:lnSpc>
+              <a:spcBef>
+                <a:spcPts val="0"/>
+              </a:spcBef>
+              <a:spcAft>
+                <a:spcPts val="0"/>
+              </a:spcAft>
+              <a:buClr>
+                <a:schemeClr val="dk1"/>
+              </a:buClr>
+              <a:buSzPts val="4000"/>
+              <a:buFont typeface="Abril Fatface"/>
+              <a:buNone/>
+              <a:defRPr sz="4000" b="1" i="0" u="none" strike="noStrike" cap="none">
+                <a:solidFill>
+                  <a:schemeClr val="dk1"/>
+                </a:solidFill>
+                <a:latin typeface="Abril Fatface"/>
+                <a:ea typeface="Abril Fatface"/>
+                <a:cs typeface="Abril Fatface"/>
+                <a:sym typeface="Abril Fatface"/>
+              </a:defRPr>
+            </a:lvl5pPr>
+            <a:lvl6pPr marR="0" lvl="5" algn="l" rtl="0">
+              <a:lnSpc>
+                <a:spcPct val="100000"/>
+              </a:lnSpc>
+              <a:spcBef>
+                <a:spcPts val="0"/>
+              </a:spcBef>
+              <a:spcAft>
+                <a:spcPts val="0"/>
+              </a:spcAft>
+              <a:buClr>
+                <a:schemeClr val="dk1"/>
+              </a:buClr>
+              <a:buSzPts val="4000"/>
+              <a:buFont typeface="Abril Fatface"/>
+              <a:buNone/>
+              <a:defRPr sz="4000" b="1" i="0" u="none" strike="noStrike" cap="none">
+                <a:solidFill>
+                  <a:schemeClr val="dk1"/>
+                </a:solidFill>
+                <a:latin typeface="Abril Fatface"/>
+                <a:ea typeface="Abril Fatface"/>
+                <a:cs typeface="Abril Fatface"/>
+                <a:sym typeface="Abril Fatface"/>
+              </a:defRPr>
+            </a:lvl6pPr>
+            <a:lvl7pPr marR="0" lvl="6" algn="l" rtl="0">
+              <a:lnSpc>
+                <a:spcPct val="100000"/>
+              </a:lnSpc>
+              <a:spcBef>
+                <a:spcPts val="0"/>
+              </a:spcBef>
+              <a:spcAft>
+                <a:spcPts val="0"/>
+              </a:spcAft>
+              <a:buClr>
+                <a:schemeClr val="dk1"/>
+              </a:buClr>
+              <a:buSzPts val="4000"/>
+              <a:buFont typeface="Abril Fatface"/>
+              <a:buNone/>
+              <a:defRPr sz="4000" b="1" i="0" u="none" strike="noStrike" cap="none">
+                <a:solidFill>
+                  <a:schemeClr val="dk1"/>
+                </a:solidFill>
+                <a:latin typeface="Abril Fatface"/>
+                <a:ea typeface="Abril Fatface"/>
+                <a:cs typeface="Abril Fatface"/>
+                <a:sym typeface="Abril Fatface"/>
+              </a:defRPr>
+            </a:lvl7pPr>
+            <a:lvl8pPr marR="0" lvl="7" algn="l" rtl="0">
+              <a:lnSpc>
+                <a:spcPct val="100000"/>
+              </a:lnSpc>
+              <a:spcBef>
+                <a:spcPts val="0"/>
+              </a:spcBef>
+              <a:spcAft>
+                <a:spcPts val="0"/>
+              </a:spcAft>
+              <a:buClr>
+                <a:schemeClr val="dk1"/>
+              </a:buClr>
+              <a:buSzPts val="4000"/>
+              <a:buFont typeface="Abril Fatface"/>
+              <a:buNone/>
+              <a:defRPr sz="4000" b="1" i="0" u="none" strike="noStrike" cap="none">
+                <a:solidFill>
+                  <a:schemeClr val="dk1"/>
+                </a:solidFill>
+                <a:latin typeface="Abril Fatface"/>
+                <a:ea typeface="Abril Fatface"/>
+                <a:cs typeface="Abril Fatface"/>
+                <a:sym typeface="Abril Fatface"/>
+              </a:defRPr>
+            </a:lvl8pPr>
+            <a:lvl9pPr marR="0" lvl="8" algn="l" rtl="0">
+              <a:lnSpc>
+                <a:spcPct val="100000"/>
+              </a:lnSpc>
+              <a:spcBef>
+                <a:spcPts val="0"/>
+              </a:spcBef>
+              <a:spcAft>
+                <a:spcPts val="0"/>
+              </a:spcAft>
+              <a:buClr>
+                <a:schemeClr val="dk1"/>
+              </a:buClr>
+              <a:buSzPts val="4000"/>
+              <a:buFont typeface="Abril Fatface"/>
+              <a:buNone/>
+              <a:defRPr sz="4000" b="1" i="0" u="none" strike="noStrike" cap="none">
+                <a:solidFill>
+                  <a:schemeClr val="dk1"/>
+                </a:solidFill>
+                <a:latin typeface="Abril Fatface"/>
+                <a:ea typeface="Abril Fatface"/>
+                <a:cs typeface="Abril Fatface"/>
+                <a:sym typeface="Abril Fatface"/>
+              </a:defRPr>
+            </a:lvl9pPr>
+          </a:lstStyle>
+          <a:p>
+            <a:r>
+              <a:rPr lang="pt-BR" sz="2000" dirty="0"/>
+              <a:t>Table Comment</a:t>
+            </a:r>
+          </a:p>
+        </p:txBody>
+      </p:sp>
+      <p:pic>
+        <p:nvPicPr>
+          <p:cNvPr id="14" name="Picture 13">
+            <a:extLst>
+              <a:ext uri="{FF2B5EF4-FFF2-40B4-BE49-F238E27FC236}">
+                <a16:creationId xmlns:a16="http://schemas.microsoft.com/office/drawing/2014/main" id="{7DEBA1A4-B689-4F19-AB08-2F6948BF9C8B}"/>
+              </a:ext>
+            </a:extLst>
+          </p:cNvPr>
+          <p:cNvPicPr>
+            <a:picLocks noChangeAspect="1"/>
+          </p:cNvPicPr>
+          <p:nvPr/>
+        </p:nvPicPr>
+        <p:blipFill>
+          <a:blip r:embed="rId6"/>
+          <a:stretch>
+            <a:fillRect/>
+          </a:stretch>
+        </p:blipFill>
+        <p:spPr>
+          <a:xfrm>
+            <a:off x="9893211" y="1281286"/>
+            <a:ext cx="2028470" cy="4886036"/>
+          </a:xfrm>
+          <a:prstGeom prst="rect">
+            <a:avLst/>
+          </a:prstGeom>
+        </p:spPr>
+      </p:pic>
+    </p:spTree>
+    <p:extLst>
+      <p:ext uri="{BB962C8B-B14F-4D97-AF65-F5344CB8AC3E}">
+        <p14:creationId xmlns:p14="http://schemas.microsoft.com/office/powerpoint/2010/main" val="1273462961"/>
+      </p:ext>
+    </p:extLst>
+  </p:cSld>
+  <p:clrMapOvr>
+    <a:masterClrMapping/>
+  </p:clrMapOvr>
+</p:sld>
+</file>
+
+<file path=ppt/slides/slide8.xml><?xml version="1.0" encoding="utf-8"?>
 <p:sld xmlns:a="http://schemas.openxmlformats.org/drawingml/2006/main" xmlns:r="http://schemas.openxmlformats.org/officeDocument/2006/relationships" xmlns:p="http://schemas.openxmlformats.org/presentationml/2006/main">
   <p:cSld>
     <p:spTree>
